--- a/2025-Q3/Unity2/2025-07-13-Unity2-Final.pptx
+++ b/2025-Q3/Unity2/2025-07-13-Unity2-Final.pptx
@@ -285,7 +285,7 @@
               <a:pPr>
                 <a:defRPr/>
               </a:pPr>
-              <a:t>7/13/2025</a:t>
+              <a:t>7/28/2025</a:t>
             </a:fld>
             <a:endParaRPr lang="en-US"/>
           </a:p>
@@ -4433,9 +4433,19 @@
                     <a:lumOff val="40000"/>
                   </a:schemeClr>
                 </a:solidFill>
-                <a:hlinkClick r:id="rId4"/>
               </a:rPr>
-              <a:t>https://tinyurl.com/sa846z8m</a:t>
+              <a:t>https://tinyurl.</a:t>
+            </a:r>
+            <a:r>
+              <a:rPr lang="en-US" sz="2000">
+                <a:solidFill>
+                  <a:schemeClr val="tx2">
+                    <a:lumMod val="60000"/>
+                    <a:lumOff val="40000"/>
+                  </a:schemeClr>
+                </a:solidFill>
+              </a:rPr>
+              <a:t>com/UsefulUnity</a:t>
             </a:r>
             <a:endParaRPr lang="en-US" sz="2000" dirty="0">
               <a:solidFill>

--- a/2025-Q3/Unity2/2025-07-13-Unity2-Final.pptx
+++ b/2025-Q3/Unity2/2025-07-13-Unity2-Final.pptx
@@ -285,7 +285,7 @@
               <a:pPr>
                 <a:defRPr/>
               </a:pPr>
-              <a:t>7/28/2025</a:t>
+              <a:t>8/9/2025</a:t>
             </a:fld>
             <a:endParaRPr lang="en-US"/>
           </a:p>
@@ -4426,7 +4426,7 @@
           </a:p>
           <a:p>
             <a:r>
-              <a:rPr lang="en-US" sz="2000" dirty="0">
+              <a:rPr lang="en-US" sz="2000">
                 <a:solidFill>
                   <a:schemeClr val="tx2">
                     <a:lumMod val="60000"/>
@@ -4434,18 +4434,7 @@
                   </a:schemeClr>
                 </a:solidFill>
               </a:rPr>
-              <a:t>https://tinyurl.</a:t>
-            </a:r>
-            <a:r>
-              <a:rPr lang="en-US" sz="2000">
-                <a:solidFill>
-                  <a:schemeClr val="tx2">
-                    <a:lumMod val="60000"/>
-                    <a:lumOff val="40000"/>
-                  </a:schemeClr>
-                </a:solidFill>
-              </a:rPr>
-              <a:t>com/UsefulUnity</a:t>
+              <a:t>https://tinyurl.com/Call2Unity</a:t>
             </a:r>
             <a:endParaRPr lang="en-US" sz="2000" dirty="0">
               <a:solidFill>
